--- a/предзащита последняя.pptx
+++ b/предзащита последняя.pptx
@@ -257,7 +257,7 @@
           <a:p>
             <a:fld id="{96EC34F5-BDE2-4375-B83B-F49841317258}" type="datetimeFigureOut">
               <a:rPr lang="ru-RU" smtClean="0"/>
-              <a:t>30.05.2025</a:t>
+              <a:t>03.06.2025</a:t>
             </a:fld>
             <a:endParaRPr lang="ru-RU"/>
           </a:p>
@@ -427,7 +427,7 @@
           <a:p>
             <a:fld id="{96EC34F5-BDE2-4375-B83B-F49841317258}" type="datetimeFigureOut">
               <a:rPr lang="ru-RU" smtClean="0"/>
-              <a:t>30.05.2025</a:t>
+              <a:t>03.06.2025</a:t>
             </a:fld>
             <a:endParaRPr lang="ru-RU"/>
           </a:p>
@@ -607,7 +607,7 @@
           <a:p>
             <a:fld id="{96EC34F5-BDE2-4375-B83B-F49841317258}" type="datetimeFigureOut">
               <a:rPr lang="ru-RU" smtClean="0"/>
-              <a:t>30.05.2025</a:t>
+              <a:t>03.06.2025</a:t>
             </a:fld>
             <a:endParaRPr lang="ru-RU"/>
           </a:p>
@@ -777,7 +777,7 @@
           <a:p>
             <a:fld id="{96EC34F5-BDE2-4375-B83B-F49841317258}" type="datetimeFigureOut">
               <a:rPr lang="ru-RU" smtClean="0"/>
-              <a:t>30.05.2025</a:t>
+              <a:t>03.06.2025</a:t>
             </a:fld>
             <a:endParaRPr lang="ru-RU"/>
           </a:p>
@@ -1023,7 +1023,7 @@
           <a:p>
             <a:fld id="{96EC34F5-BDE2-4375-B83B-F49841317258}" type="datetimeFigureOut">
               <a:rPr lang="ru-RU" smtClean="0"/>
-              <a:t>30.05.2025</a:t>
+              <a:t>03.06.2025</a:t>
             </a:fld>
             <a:endParaRPr lang="ru-RU"/>
           </a:p>
@@ -1255,7 +1255,7 @@
           <a:p>
             <a:fld id="{96EC34F5-BDE2-4375-B83B-F49841317258}" type="datetimeFigureOut">
               <a:rPr lang="ru-RU" smtClean="0"/>
-              <a:t>30.05.2025</a:t>
+              <a:t>03.06.2025</a:t>
             </a:fld>
             <a:endParaRPr lang="ru-RU"/>
           </a:p>
@@ -1622,7 +1622,7 @@
           <a:p>
             <a:fld id="{96EC34F5-BDE2-4375-B83B-F49841317258}" type="datetimeFigureOut">
               <a:rPr lang="ru-RU" smtClean="0"/>
-              <a:t>30.05.2025</a:t>
+              <a:t>03.06.2025</a:t>
             </a:fld>
             <a:endParaRPr lang="ru-RU"/>
           </a:p>
@@ -1740,7 +1740,7 @@
           <a:p>
             <a:fld id="{96EC34F5-BDE2-4375-B83B-F49841317258}" type="datetimeFigureOut">
               <a:rPr lang="ru-RU" smtClean="0"/>
-              <a:t>30.05.2025</a:t>
+              <a:t>03.06.2025</a:t>
             </a:fld>
             <a:endParaRPr lang="ru-RU"/>
           </a:p>
@@ -1835,7 +1835,7 @@
           <a:p>
             <a:fld id="{96EC34F5-BDE2-4375-B83B-F49841317258}" type="datetimeFigureOut">
               <a:rPr lang="ru-RU" smtClean="0"/>
-              <a:t>30.05.2025</a:t>
+              <a:t>03.06.2025</a:t>
             </a:fld>
             <a:endParaRPr lang="ru-RU"/>
           </a:p>
@@ -2112,7 +2112,7 @@
           <a:p>
             <a:fld id="{96EC34F5-BDE2-4375-B83B-F49841317258}" type="datetimeFigureOut">
               <a:rPr lang="ru-RU" smtClean="0"/>
-              <a:t>30.05.2025</a:t>
+              <a:t>03.06.2025</a:t>
             </a:fld>
             <a:endParaRPr lang="ru-RU"/>
           </a:p>
@@ -2369,7 +2369,7 @@
           <a:p>
             <a:fld id="{96EC34F5-BDE2-4375-B83B-F49841317258}" type="datetimeFigureOut">
               <a:rPr lang="ru-RU" smtClean="0"/>
-              <a:t>30.05.2025</a:t>
+              <a:t>03.06.2025</a:t>
             </a:fld>
             <a:endParaRPr lang="ru-RU"/>
           </a:p>
@@ -2582,7 +2582,7 @@
           <a:p>
             <a:fld id="{96EC34F5-BDE2-4375-B83B-F49841317258}" type="datetimeFigureOut">
               <a:rPr lang="ru-RU" smtClean="0"/>
-              <a:t>30.05.2025</a:t>
+              <a:t>03.06.2025</a:t>
             </a:fld>
             <a:endParaRPr lang="ru-RU"/>
           </a:p>
@@ -3157,7 +3157,7 @@
                 <a:latin typeface="Arial" panose="020B0604020202020204" pitchFamily="34" charset="0"/>
                 <a:cs typeface="Arial" panose="020B0604020202020204" pitchFamily="34" charset="0"/>
               </a:rPr>
-              <a:t>Разработка и интеграция автоматизированной системы тестирования для </a:t>
+              <a:t>Разработка и интеграция системы автоматизированного тестирования для веб</a:t>
             </a:r>
             <a:r>
               <a:rPr lang="en-US" altLang="ru-RU" sz="3200" b="1" dirty="0">
@@ -3167,7 +3167,7 @@
                 <a:latin typeface="Arial" panose="020B0604020202020204" pitchFamily="34" charset="0"/>
                 <a:cs typeface="Arial" panose="020B0604020202020204" pitchFamily="34" charset="0"/>
               </a:rPr>
-              <a:t>web-</a:t>
+              <a:t>-</a:t>
             </a:r>
             <a:r>
               <a:rPr lang="ru-BY" altLang="ru-RU" sz="3200" b="1" dirty="0">
@@ -5657,7 +5657,7 @@
         <p:spPr>
           <a:xfrm>
             <a:off x="986118" y="1169201"/>
-            <a:ext cx="9740876" cy="4824398"/>
+            <a:ext cx="9740876" cy="5255285"/>
           </a:xfrm>
           <a:prstGeom prst="rect">
             <a:avLst/>
@@ -5779,7 +5779,35 @@
                 <a:ea typeface="Calibri" panose="020F0502020204030204" pitchFamily="34" charset="0"/>
                 <a:cs typeface="Calibri" panose="020F0502020204030204" pitchFamily="34" charset="0"/>
               </a:rPr>
-              <a:t>/конфиги)</a:t>
+              <a:t>/конфиг</a:t>
+            </a:r>
+            <a:r>
+              <a:rPr lang="ru-BY" sz="2800" dirty="0" err="1">
+                <a:latin typeface="Calibri" panose="020F0502020204030204" pitchFamily="34" charset="0"/>
+                <a:ea typeface="Calibri" panose="020F0502020204030204" pitchFamily="34" charset="0"/>
+                <a:cs typeface="Calibri" panose="020F0502020204030204" pitchFamily="34" charset="0"/>
+              </a:rPr>
+              <a:t>урационные</a:t>
+            </a:r>
+            <a:r>
+              <a:rPr lang="ru-BY" sz="2800" dirty="0">
+                <a:latin typeface="Calibri" panose="020F0502020204030204" pitchFamily="34" charset="0"/>
+                <a:ea typeface="Calibri" panose="020F0502020204030204" pitchFamily="34" charset="0"/>
+                <a:cs typeface="Calibri" panose="020F0502020204030204" pitchFamily="34" charset="0"/>
+              </a:rPr>
+              <a:t> файлы</a:t>
+            </a:r>
+            <a:r>
+              <a:rPr lang="ru-RU" sz="2800" b="0" i="0" dirty="0">
+                <a:solidFill>
+                  <a:schemeClr val="tx1"/>
+                </a:solidFill>
+                <a:effectLst/>
+                <a:latin typeface="Calibri" panose="020F0502020204030204" pitchFamily="34" charset="0"/>
+                <a:ea typeface="Calibri" panose="020F0502020204030204" pitchFamily="34" charset="0"/>
+                <a:cs typeface="Calibri" panose="020F0502020204030204" pitchFamily="34" charset="0"/>
+              </a:rPr>
+              <a:t>)</a:t>
             </a:r>
           </a:p>
           <a:p>
@@ -6584,10 +6612,10 @@
       </p:sp>
       <p:pic>
         <p:nvPicPr>
-          <p:cNvPr id="44" name="Image1">
+          <p:cNvPr id="5" name="Рисунок 4" descr="Изображение выглядит как текст, снимок экрана, Параллельный, Шрифт&#10;&#10;Контент, сгенерированный ИИ, может содержать ошибки.">
             <a:extLst>
               <a:ext uri="{FF2B5EF4-FFF2-40B4-BE49-F238E27FC236}">
-                <a16:creationId xmlns:a16="http://schemas.microsoft.com/office/drawing/2014/main" id="{1F094BAC-44F0-4595-3DFD-FC7E458E75D9}"/>
+                <a16:creationId xmlns:a16="http://schemas.microsoft.com/office/drawing/2014/main" id="{AE9856BD-2ADB-873B-8912-3143CD3DDCED}"/>
               </a:ext>
             </a:extLst>
           </p:cNvPr>
@@ -6597,45 +6625,21 @@
           <p:nvPr/>
         </p:nvPicPr>
         <p:blipFill>
-          <a:blip r:embed="rId7"/>
+          <a:blip r:embed="rId7">
+            <a:extLst>
+              <a:ext uri="{28A0092B-C50C-407E-A947-70E740481C1C}">
+                <a14:useLocalDpi xmlns:a14="http://schemas.microsoft.com/office/drawing/2010/main" val="0"/>
+              </a:ext>
+            </a:extLst>
+          </a:blip>
           <a:stretch>
             <a:fillRect/>
           </a:stretch>
         </p:blipFill>
-        <p:spPr bwMode="auto">
+        <p:spPr>
           <a:xfrm>
-            <a:off x="385343" y="1329188"/>
-            <a:ext cx="5894007" cy="3068286"/>
-          </a:xfrm>
-          <a:prstGeom prst="rect">
-            <a:avLst/>
-          </a:prstGeom>
-        </p:spPr>
-      </p:pic>
-      <p:pic>
-        <p:nvPicPr>
-          <p:cNvPr id="45" name="Image2">
-            <a:extLst>
-              <a:ext uri="{FF2B5EF4-FFF2-40B4-BE49-F238E27FC236}">
-                <a16:creationId xmlns:a16="http://schemas.microsoft.com/office/drawing/2014/main" id="{ED41AED8-4503-2162-11A9-8BAF35E4AF26}"/>
-              </a:ext>
-            </a:extLst>
-          </p:cNvPr>
-          <p:cNvPicPr>
-            <a:picLocks noChangeAspect="1"/>
-          </p:cNvPicPr>
-          <p:nvPr/>
-        </p:nvPicPr>
-        <p:blipFill>
-          <a:blip r:embed="rId8"/>
-          <a:stretch>
-            <a:fillRect/>
-          </a:stretch>
-        </p:blipFill>
-        <p:spPr bwMode="auto">
-          <a:xfrm>
-            <a:off x="5753678" y="1398797"/>
-            <a:ext cx="5234072" cy="3389978"/>
+            <a:off x="2944222" y="899189"/>
+            <a:ext cx="6133139" cy="5669222"/>
           </a:xfrm>
           <a:prstGeom prst="rect">
             <a:avLst/>
@@ -7164,8 +7168,8 @@
         </p:blipFill>
         <p:spPr bwMode="auto">
           <a:xfrm>
-            <a:off x="2047948" y="1794294"/>
-            <a:ext cx="8400904" cy="3975459"/>
+            <a:off x="468949" y="974434"/>
+            <a:ext cx="11254102" cy="5325644"/>
           </a:xfrm>
           <a:prstGeom prst="rect">
             <a:avLst/>
@@ -15279,216 +15283,6 @@
       </p:sp>
       <p:sp>
         <p:nvSpPr>
-          <p:cNvPr id="31" name="Google Shape;121;p16">
-            <a:extLst>
-              <a:ext uri="{FF2B5EF4-FFF2-40B4-BE49-F238E27FC236}">
-                <a16:creationId xmlns:a16="http://schemas.microsoft.com/office/drawing/2014/main" id="{56364973-DD1B-EBCD-803B-2476A44E662B}"/>
-              </a:ext>
-            </a:extLst>
-          </p:cNvPr>
-          <p:cNvSpPr txBox="1">
-            <a:spLocks/>
-          </p:cNvSpPr>
-          <p:nvPr/>
-        </p:nvSpPr>
-        <p:spPr>
-          <a:xfrm>
-            <a:off x="5349125" y="1081439"/>
-            <a:ext cx="5090276" cy="2798803"/>
-          </a:xfrm>
-          <a:prstGeom prst="rect">
-            <a:avLst/>
-          </a:prstGeom>
-          <a:noFill/>
-          <a:ln>
-            <a:noFill/>
-          </a:ln>
-        </p:spPr>
-        <p:txBody>
-          <a:bodyPr spcFirstLastPara="1" vert="horz" wrap="square" lIns="91425" tIns="45700" rIns="91425" bIns="45700" rtlCol="0" anchor="t" anchorCtr="0">
-            <a:normAutofit/>
-          </a:bodyPr>
-          <a:lstStyle>
-            <a:lvl1pPr marL="228600" indent="-228600" algn="l" defTabSz="914400" rtl="0" eaLnBrk="1" latinLnBrk="0" hangingPunct="1">
-              <a:lnSpc>
-                <a:spcPct val="90000"/>
-              </a:lnSpc>
-              <a:spcBef>
-                <a:spcPts val="1000"/>
-              </a:spcBef>
-              <a:buFont typeface="Arial" panose="020B0604020202020204" pitchFamily="34" charset="0"/>
-              <a:buChar char="•"/>
-              <a:defRPr sz="2800" kern="1200">
-                <a:solidFill>
-                  <a:schemeClr val="tx1"/>
-                </a:solidFill>
-                <a:latin typeface="+mn-lt"/>
-                <a:ea typeface="+mn-ea"/>
-                <a:cs typeface="+mn-cs"/>
-              </a:defRPr>
-            </a:lvl1pPr>
-            <a:lvl2pPr marL="685800" indent="-228600" algn="l" defTabSz="914400" rtl="0" eaLnBrk="1" latinLnBrk="0" hangingPunct="1">
-              <a:lnSpc>
-                <a:spcPct val="90000"/>
-              </a:lnSpc>
-              <a:spcBef>
-                <a:spcPts val="500"/>
-              </a:spcBef>
-              <a:buFont typeface="Arial" panose="020B0604020202020204" pitchFamily="34" charset="0"/>
-              <a:buChar char="•"/>
-              <a:defRPr sz="2400" kern="1200">
-                <a:solidFill>
-                  <a:schemeClr val="tx1"/>
-                </a:solidFill>
-                <a:latin typeface="+mn-lt"/>
-                <a:ea typeface="+mn-ea"/>
-                <a:cs typeface="+mn-cs"/>
-              </a:defRPr>
-            </a:lvl2pPr>
-            <a:lvl3pPr marL="1143000" indent="-228600" algn="l" defTabSz="914400" rtl="0" eaLnBrk="1" latinLnBrk="0" hangingPunct="1">
-              <a:lnSpc>
-                <a:spcPct val="90000"/>
-              </a:lnSpc>
-              <a:spcBef>
-                <a:spcPts val="500"/>
-              </a:spcBef>
-              <a:buFont typeface="Arial" panose="020B0604020202020204" pitchFamily="34" charset="0"/>
-              <a:buChar char="•"/>
-              <a:defRPr sz="2000" kern="1200">
-                <a:solidFill>
-                  <a:schemeClr val="tx1"/>
-                </a:solidFill>
-                <a:latin typeface="+mn-lt"/>
-                <a:ea typeface="+mn-ea"/>
-                <a:cs typeface="+mn-cs"/>
-              </a:defRPr>
-            </a:lvl3pPr>
-            <a:lvl4pPr marL="1600200" indent="-228600" algn="l" defTabSz="914400" rtl="0" eaLnBrk="1" latinLnBrk="0" hangingPunct="1">
-              <a:lnSpc>
-                <a:spcPct val="90000"/>
-              </a:lnSpc>
-              <a:spcBef>
-                <a:spcPts val="500"/>
-              </a:spcBef>
-              <a:buFont typeface="Arial" panose="020B0604020202020204" pitchFamily="34" charset="0"/>
-              <a:buChar char="•"/>
-              <a:defRPr sz="1800" kern="1200">
-                <a:solidFill>
-                  <a:schemeClr val="tx1"/>
-                </a:solidFill>
-                <a:latin typeface="+mn-lt"/>
-                <a:ea typeface="+mn-ea"/>
-                <a:cs typeface="+mn-cs"/>
-              </a:defRPr>
-            </a:lvl4pPr>
-            <a:lvl5pPr marL="2057400" indent="-228600" algn="l" defTabSz="914400" rtl="0" eaLnBrk="1" latinLnBrk="0" hangingPunct="1">
-              <a:lnSpc>
-                <a:spcPct val="90000"/>
-              </a:lnSpc>
-              <a:spcBef>
-                <a:spcPts val="500"/>
-              </a:spcBef>
-              <a:buFont typeface="Arial" panose="020B0604020202020204" pitchFamily="34" charset="0"/>
-              <a:buChar char="•"/>
-              <a:defRPr sz="1800" kern="1200">
-                <a:solidFill>
-                  <a:schemeClr val="tx1"/>
-                </a:solidFill>
-                <a:latin typeface="+mn-lt"/>
-                <a:ea typeface="+mn-ea"/>
-                <a:cs typeface="+mn-cs"/>
-              </a:defRPr>
-            </a:lvl5pPr>
-            <a:lvl6pPr marL="2514600" indent="-228600" algn="l" defTabSz="914400" rtl="0" eaLnBrk="1" latinLnBrk="0" hangingPunct="1">
-              <a:lnSpc>
-                <a:spcPct val="90000"/>
-              </a:lnSpc>
-              <a:spcBef>
-                <a:spcPts val="500"/>
-              </a:spcBef>
-              <a:buFont typeface="Arial" panose="020B0604020202020204" pitchFamily="34" charset="0"/>
-              <a:buChar char="•"/>
-              <a:defRPr sz="1800" kern="1200">
-                <a:solidFill>
-                  <a:schemeClr val="tx1"/>
-                </a:solidFill>
-                <a:latin typeface="+mn-lt"/>
-                <a:ea typeface="+mn-ea"/>
-                <a:cs typeface="+mn-cs"/>
-              </a:defRPr>
-            </a:lvl6pPr>
-            <a:lvl7pPr marL="2971800" indent="-228600" algn="l" defTabSz="914400" rtl="0" eaLnBrk="1" latinLnBrk="0" hangingPunct="1">
-              <a:lnSpc>
-                <a:spcPct val="90000"/>
-              </a:lnSpc>
-              <a:spcBef>
-                <a:spcPts val="500"/>
-              </a:spcBef>
-              <a:buFont typeface="Arial" panose="020B0604020202020204" pitchFamily="34" charset="0"/>
-              <a:buChar char="•"/>
-              <a:defRPr sz="1800" kern="1200">
-                <a:solidFill>
-                  <a:schemeClr val="tx1"/>
-                </a:solidFill>
-                <a:latin typeface="+mn-lt"/>
-                <a:ea typeface="+mn-ea"/>
-                <a:cs typeface="+mn-cs"/>
-              </a:defRPr>
-            </a:lvl7pPr>
-            <a:lvl8pPr marL="3429000" indent="-228600" algn="l" defTabSz="914400" rtl="0" eaLnBrk="1" latinLnBrk="0" hangingPunct="1">
-              <a:lnSpc>
-                <a:spcPct val="90000"/>
-              </a:lnSpc>
-              <a:spcBef>
-                <a:spcPts val="500"/>
-              </a:spcBef>
-              <a:buFont typeface="Arial" panose="020B0604020202020204" pitchFamily="34" charset="0"/>
-              <a:buChar char="•"/>
-              <a:defRPr sz="1800" kern="1200">
-                <a:solidFill>
-                  <a:schemeClr val="tx1"/>
-                </a:solidFill>
-                <a:latin typeface="+mn-lt"/>
-                <a:ea typeface="+mn-ea"/>
-                <a:cs typeface="+mn-cs"/>
-              </a:defRPr>
-            </a:lvl8pPr>
-            <a:lvl9pPr marL="3886200" indent="-228600" algn="l" defTabSz="914400" rtl="0" eaLnBrk="1" latinLnBrk="0" hangingPunct="1">
-              <a:lnSpc>
-                <a:spcPct val="90000"/>
-              </a:lnSpc>
-              <a:spcBef>
-                <a:spcPts val="500"/>
-              </a:spcBef>
-              <a:buFont typeface="Arial" panose="020B0604020202020204" pitchFamily="34" charset="0"/>
-              <a:buChar char="•"/>
-              <a:defRPr sz="1800" kern="1200">
-                <a:solidFill>
-                  <a:schemeClr val="tx1"/>
-                </a:solidFill>
-                <a:latin typeface="+mn-lt"/>
-                <a:ea typeface="+mn-ea"/>
-                <a:cs typeface="+mn-cs"/>
-              </a:defRPr>
-            </a:lvl9pPr>
-          </a:lstStyle>
-          <a:p>
-            <a:pPr marL="0" indent="0">
-              <a:lnSpc>
-                <a:spcPct val="100000"/>
-              </a:lnSpc>
-              <a:buClr>
-                <a:schemeClr val="dk1"/>
-              </a:buClr>
-              <a:buSzPts val="2800"/>
-              <a:buNone/>
-            </a:pPr>
-            <a:endParaRPr lang="ru-BY" sz="2400" u="sng" dirty="0"/>
-          </a:p>
-        </p:txBody>
-      </p:sp>
-      <p:sp>
-        <p:nvSpPr>
           <p:cNvPr id="32" name="Google Shape;126;p16">
             <a:extLst>
               <a:ext uri="{FF2B5EF4-FFF2-40B4-BE49-F238E27FC236}">
@@ -15539,314 +15333,1528 @@
           </a:p>
         </p:txBody>
       </p:sp>
-      <p:sp>
-        <p:nvSpPr>
-          <p:cNvPr id="33" name="Google Shape;160;p19">
+      <p:graphicFrame>
+        <p:nvGraphicFramePr>
+          <p:cNvPr id="6" name="Таблица 5">
             <a:extLst>
               <a:ext uri="{FF2B5EF4-FFF2-40B4-BE49-F238E27FC236}">
-                <a16:creationId xmlns:a16="http://schemas.microsoft.com/office/drawing/2014/main" id="{7281C1C8-2574-6706-FFF9-D03161BA9A6D}"/>
+                <a16:creationId xmlns:a16="http://schemas.microsoft.com/office/drawing/2014/main" id="{53BC8FFE-0B5F-EB48-5831-FBD4119A4C13}"/>
               </a:ext>
             </a:extLst>
           </p:cNvPr>
-          <p:cNvSpPr txBox="1">
-            <a:spLocks/>
-          </p:cNvSpPr>
-          <p:nvPr/>
-        </p:nvSpPr>
-        <p:spPr>
-          <a:xfrm>
-            <a:off x="1231447" y="5889213"/>
-            <a:ext cx="2743200" cy="365125"/>
-          </a:xfrm>
-          <a:prstGeom prst="rect">
-            <a:avLst/>
-          </a:prstGeom>
-          <a:noFill/>
-          <a:ln>
-            <a:noFill/>
-          </a:ln>
-        </p:spPr>
-        <p:txBody>
-          <a:bodyPr spcFirstLastPara="1" vert="horz" wrap="square" lIns="91425" tIns="45700" rIns="91425" bIns="45700" rtlCol="0" anchor="ctr" anchorCtr="0">
-            <a:noAutofit/>
-          </a:bodyPr>
-          <a:lstStyle>
-            <a:defPPr>
-              <a:defRPr lang="en-US"/>
-            </a:defPPr>
-            <a:lvl1pPr marL="0" algn="r" defTabSz="457200" rtl="0" eaLnBrk="1" latinLnBrk="0" hangingPunct="1">
-              <a:defRPr sz="1200" kern="1200">
-                <a:solidFill>
-                  <a:schemeClr val="tx1">
-                    <a:tint val="75000"/>
-                  </a:schemeClr>
-                </a:solidFill>
-                <a:latin typeface="+mn-lt"/>
-                <a:ea typeface="+mn-ea"/>
-                <a:cs typeface="+mn-cs"/>
-              </a:defRPr>
-            </a:lvl1pPr>
-            <a:lvl2pPr marL="457200" algn="l" defTabSz="457200" rtl="0" eaLnBrk="1" latinLnBrk="0" hangingPunct="1">
-              <a:defRPr sz="1800" kern="1200">
-                <a:solidFill>
-                  <a:schemeClr val="tx1"/>
-                </a:solidFill>
-                <a:latin typeface="+mn-lt"/>
-                <a:ea typeface="+mn-ea"/>
-                <a:cs typeface="+mn-cs"/>
-              </a:defRPr>
-            </a:lvl2pPr>
-            <a:lvl3pPr marL="914400" algn="l" defTabSz="457200" rtl="0" eaLnBrk="1" latinLnBrk="0" hangingPunct="1">
-              <a:defRPr sz="1800" kern="1200">
-                <a:solidFill>
-                  <a:schemeClr val="tx1"/>
-                </a:solidFill>
-                <a:latin typeface="+mn-lt"/>
-                <a:ea typeface="+mn-ea"/>
-                <a:cs typeface="+mn-cs"/>
-              </a:defRPr>
-            </a:lvl3pPr>
-            <a:lvl4pPr marL="1371600" algn="l" defTabSz="457200" rtl="0" eaLnBrk="1" latinLnBrk="0" hangingPunct="1">
-              <a:defRPr sz="1800" kern="1200">
-                <a:solidFill>
-                  <a:schemeClr val="tx1"/>
-                </a:solidFill>
-                <a:latin typeface="+mn-lt"/>
-                <a:ea typeface="+mn-ea"/>
-                <a:cs typeface="+mn-cs"/>
-              </a:defRPr>
-            </a:lvl4pPr>
-            <a:lvl5pPr marL="1828800" algn="l" defTabSz="457200" rtl="0" eaLnBrk="1" latinLnBrk="0" hangingPunct="1">
-              <a:defRPr sz="1800" kern="1200">
-                <a:solidFill>
-                  <a:schemeClr val="tx1"/>
-                </a:solidFill>
-                <a:latin typeface="+mn-lt"/>
-                <a:ea typeface="+mn-ea"/>
-                <a:cs typeface="+mn-cs"/>
-              </a:defRPr>
-            </a:lvl5pPr>
-            <a:lvl6pPr marL="2286000" algn="l" defTabSz="457200" rtl="0" eaLnBrk="1" latinLnBrk="0" hangingPunct="1">
-              <a:defRPr sz="1800" kern="1200">
-                <a:solidFill>
-                  <a:schemeClr val="tx1"/>
-                </a:solidFill>
-                <a:latin typeface="+mn-lt"/>
-                <a:ea typeface="+mn-ea"/>
-                <a:cs typeface="+mn-cs"/>
-              </a:defRPr>
-            </a:lvl6pPr>
-            <a:lvl7pPr marL="2743200" algn="l" defTabSz="457200" rtl="0" eaLnBrk="1" latinLnBrk="0" hangingPunct="1">
-              <a:defRPr sz="1800" kern="1200">
-                <a:solidFill>
-                  <a:schemeClr val="tx1"/>
-                </a:solidFill>
-                <a:latin typeface="+mn-lt"/>
-                <a:ea typeface="+mn-ea"/>
-                <a:cs typeface="+mn-cs"/>
-              </a:defRPr>
-            </a:lvl7pPr>
-            <a:lvl8pPr marL="3200400" algn="l" defTabSz="457200" rtl="0" eaLnBrk="1" latinLnBrk="0" hangingPunct="1">
-              <a:defRPr sz="1800" kern="1200">
-                <a:solidFill>
-                  <a:schemeClr val="tx1"/>
-                </a:solidFill>
-                <a:latin typeface="+mn-lt"/>
-                <a:ea typeface="+mn-ea"/>
-                <a:cs typeface="+mn-cs"/>
-              </a:defRPr>
-            </a:lvl8pPr>
-            <a:lvl9pPr marL="3657600" algn="l" defTabSz="457200" rtl="0" eaLnBrk="1" latinLnBrk="0" hangingPunct="1">
-              <a:defRPr sz="1800" kern="1200">
-                <a:solidFill>
-                  <a:schemeClr val="tx1"/>
-                </a:solidFill>
-                <a:latin typeface="+mn-lt"/>
-                <a:ea typeface="+mn-ea"/>
-                <a:cs typeface="+mn-cs"/>
-              </a:defRPr>
-            </a:lvl9pPr>
-          </a:lstStyle>
-          <a:p>
-            <a:fld id="{00000000-1234-1234-1234-123412341234}" type="slidenum">
-              <a:rPr lang="ru-RU" smtClean="0"/>
-              <a:pPr/>
-              <a:t>9</a:t>
-            </a:fld>
-            <a:endParaRPr lang="ru-RU"/>
-          </a:p>
-        </p:txBody>
-      </p:sp>
-      <p:pic>
-        <p:nvPicPr>
-          <p:cNvPr id="13314" name="Picture 2" descr="Microsoft Azure Marketplace">
-            <a:extLst>
-              <a:ext uri="{FF2B5EF4-FFF2-40B4-BE49-F238E27FC236}">
-                <a16:creationId xmlns:a16="http://schemas.microsoft.com/office/drawing/2014/main" id="{4E3AA94F-2D82-3E83-29BD-6BAE8B2B76E4}"/>
-              </a:ext>
-            </a:extLst>
-          </p:cNvPr>
-          <p:cNvPicPr>
-            <a:picLocks noChangeAspect="1" noChangeArrowheads="1"/>
-          </p:cNvPicPr>
-          <p:nvPr/>
-        </p:nvPicPr>
-        <p:blipFill>
-          <a:blip r:embed="rId5">
-            <a:extLst>
-              <a:ext uri="{28A0092B-C50C-407E-A947-70E740481C1C}">
-                <a14:useLocalDpi xmlns:a14="http://schemas.microsoft.com/office/drawing/2010/main" val="0"/>
-              </a:ext>
-            </a:extLst>
-          </a:blip>
-          <a:srcRect/>
-          <a:stretch>
-            <a:fillRect/>
-          </a:stretch>
-        </p:blipFill>
-        <p:spPr bwMode="auto">
-          <a:xfrm>
-            <a:off x="1231447" y="1483654"/>
-            <a:ext cx="3524609" cy="3524609"/>
-          </a:xfrm>
-          <a:prstGeom prst="rect">
-            <a:avLst/>
-          </a:prstGeom>
-          <a:noFill/>
-          <a:extLst>
-            <a:ext uri="{909E8E84-426E-40DD-AFC4-6F175D3DCCD1}">
-              <a14:hiddenFill xmlns:a14="http://schemas.microsoft.com/office/drawing/2010/main">
-                <a:solidFill>
-                  <a:srgbClr val="FFFFFF"/>
-                </a:solidFill>
-              </a14:hiddenFill>
-            </a:ext>
-          </a:extLst>
-        </p:spPr>
-      </p:pic>
-      <p:sp>
-        <p:nvSpPr>
-          <p:cNvPr id="40" name="TextBox 39">
-            <a:extLst>
-              <a:ext uri="{FF2B5EF4-FFF2-40B4-BE49-F238E27FC236}">
-                <a16:creationId xmlns:a16="http://schemas.microsoft.com/office/drawing/2014/main" id="{737ECA69-BB26-0C97-F5E4-324513A93414}"/>
-              </a:ext>
-            </a:extLst>
-          </p:cNvPr>
-          <p:cNvSpPr txBox="1"/>
-          <p:nvPr/>
-        </p:nvSpPr>
-        <p:spPr>
-          <a:xfrm>
-            <a:off x="1552134" y="5081958"/>
-            <a:ext cx="3306818" cy="584775"/>
-          </a:xfrm>
-          <a:prstGeom prst="rect">
-            <a:avLst/>
-          </a:prstGeom>
-          <a:noFill/>
-        </p:spPr>
-        <p:txBody>
-          <a:bodyPr wrap="square" rtlCol="0">
-            <a:spAutoFit/>
-          </a:bodyPr>
-          <a:lstStyle/>
-          <a:p>
-            <a:r>
-              <a:rPr lang="en-US" sz="3200" dirty="0" err="1"/>
-              <a:t>Triscentis</a:t>
-            </a:r>
-            <a:r>
-              <a:rPr lang="en-US" sz="3200" dirty="0"/>
-              <a:t> Tosca</a:t>
-            </a:r>
-            <a:endParaRPr lang="ru-BY" sz="3200" dirty="0"/>
-          </a:p>
-        </p:txBody>
-      </p:sp>
-      <p:pic>
-        <p:nvPicPr>
-          <p:cNvPr id="13316" name="Picture 4" descr="Нейросеть Mabl – Обзор, параметры и отзывы и альтернативы">
-            <a:extLst>
-              <a:ext uri="{FF2B5EF4-FFF2-40B4-BE49-F238E27FC236}">
-                <a16:creationId xmlns:a16="http://schemas.microsoft.com/office/drawing/2014/main" id="{E7304DBE-1F9D-ECC5-6697-3FD32DCE70E7}"/>
-              </a:ext>
-            </a:extLst>
-          </p:cNvPr>
-          <p:cNvPicPr>
-            <a:picLocks noChangeAspect="1" noChangeArrowheads="1"/>
-          </p:cNvPicPr>
-          <p:nvPr/>
-        </p:nvPicPr>
-        <p:blipFill>
-          <a:blip r:embed="rId6">
-            <a:extLst>
-              <a:ext uri="{28A0092B-C50C-407E-A947-70E740481C1C}">
-                <a14:useLocalDpi xmlns:a14="http://schemas.microsoft.com/office/drawing/2010/main" val="0"/>
-              </a:ext>
-            </a:extLst>
-          </a:blip>
-          <a:srcRect/>
-          <a:stretch>
-            <a:fillRect/>
-          </a:stretch>
-        </p:blipFill>
-        <p:spPr bwMode="auto">
-          <a:xfrm>
-            <a:off x="7040120" y="1282972"/>
-            <a:ext cx="3399281" cy="3399281"/>
-          </a:xfrm>
-          <a:prstGeom prst="rect">
-            <a:avLst/>
-          </a:prstGeom>
-          <a:noFill/>
-          <a:extLst>
-            <a:ext uri="{909E8E84-426E-40DD-AFC4-6F175D3DCCD1}">
-              <a14:hiddenFill xmlns:a14="http://schemas.microsoft.com/office/drawing/2010/main">
-                <a:solidFill>
-                  <a:srgbClr val="FFFFFF"/>
-                </a:solidFill>
-              </a14:hiddenFill>
-            </a:ext>
-          </a:extLst>
-        </p:spPr>
-      </p:pic>
-      <p:sp>
-        <p:nvSpPr>
-          <p:cNvPr id="41" name="TextBox 40">
-            <a:extLst>
-              <a:ext uri="{FF2B5EF4-FFF2-40B4-BE49-F238E27FC236}">
-                <a16:creationId xmlns:a16="http://schemas.microsoft.com/office/drawing/2014/main" id="{0E84853D-8766-802E-A7CD-9E1C80000587}"/>
-              </a:ext>
-            </a:extLst>
-          </p:cNvPr>
-          <p:cNvSpPr txBox="1"/>
-          <p:nvPr/>
-        </p:nvSpPr>
-        <p:spPr>
-          <a:xfrm>
-            <a:off x="8422878" y="4934526"/>
-            <a:ext cx="2216988" cy="584775"/>
-          </a:xfrm>
-          <a:prstGeom prst="rect">
-            <a:avLst/>
-          </a:prstGeom>
-          <a:noFill/>
-        </p:spPr>
-        <p:txBody>
-          <a:bodyPr wrap="square" rtlCol="0">
-            <a:spAutoFit/>
-          </a:bodyPr>
-          <a:lstStyle/>
-          <a:p>
-            <a:r>
-              <a:rPr lang="en-US" sz="3200" dirty="0" err="1"/>
-              <a:t>Mabl</a:t>
-            </a:r>
-            <a:endParaRPr lang="ru-BY" sz="3200" dirty="0"/>
-          </a:p>
-        </p:txBody>
-      </p:sp>
+          <p:cNvGraphicFramePr>
+            <a:graphicFrameLocks noGrp="1"/>
+          </p:cNvGraphicFramePr>
+          <p:nvPr>
+            <p:extLst>
+              <p:ext uri="{D42A27DB-BD31-4B8C-83A1-F6EECF244321}">
+                <p14:modId xmlns:p14="http://schemas.microsoft.com/office/powerpoint/2010/main" val="37513948"/>
+              </p:ext>
+            </p:extLst>
+          </p:nvPr>
+        </p:nvGraphicFramePr>
+        <p:xfrm>
+          <a:off x="1118120" y="926846"/>
+          <a:ext cx="10235680" cy="5640994"/>
+        </p:xfrm>
+        <a:graphic>
+          <a:graphicData uri="http://schemas.openxmlformats.org/drawingml/2006/table">
+            <a:tbl>
+              <a:tblPr firstRow="1" bandRow="1">
+                <a:tableStyleId>{2D5ABB26-0587-4C30-8999-92F81FD0307C}</a:tableStyleId>
+              </a:tblPr>
+              <a:tblGrid>
+                <a:gridCol w="2543368">
+                  <a:extLst>
+                    <a:ext uri="{9D8B030D-6E8A-4147-A177-3AD203B41FA5}">
+                      <a16:colId xmlns:a16="http://schemas.microsoft.com/office/drawing/2014/main" val="3056441726"/>
+                    </a:ext>
+                  </a:extLst>
+                </a:gridCol>
+                <a:gridCol w="2564104">
+                  <a:extLst>
+                    <a:ext uri="{9D8B030D-6E8A-4147-A177-3AD203B41FA5}">
+                      <a16:colId xmlns:a16="http://schemas.microsoft.com/office/drawing/2014/main" val="227199332"/>
+                    </a:ext>
+                  </a:extLst>
+                </a:gridCol>
+                <a:gridCol w="2564104">
+                  <a:extLst>
+                    <a:ext uri="{9D8B030D-6E8A-4147-A177-3AD203B41FA5}">
+                      <a16:colId xmlns:a16="http://schemas.microsoft.com/office/drawing/2014/main" val="3961202097"/>
+                    </a:ext>
+                  </a:extLst>
+                </a:gridCol>
+                <a:gridCol w="2564104">
+                  <a:extLst>
+                    <a:ext uri="{9D8B030D-6E8A-4147-A177-3AD203B41FA5}">
+                      <a16:colId xmlns:a16="http://schemas.microsoft.com/office/drawing/2014/main" val="2469015068"/>
+                    </a:ext>
+                  </a:extLst>
+                </a:gridCol>
+              </a:tblGrid>
+              <a:tr h="794674">
+                <a:tc>
+                  <a:txBody>
+                    <a:bodyPr/>
+                    <a:lstStyle/>
+                    <a:p>
+                      <a:pPr algn="l" fontAlgn="ctr"/>
+                      <a:r>
+                        <a:rPr lang="ru-RU" b="1" dirty="0">
+                          <a:solidFill>
+                            <a:schemeClr val="tx1"/>
+                          </a:solidFill>
+                          <a:effectLst/>
+                        </a:rPr>
+                        <a:t>Критерии</a:t>
+                      </a:r>
+                      <a:endParaRPr lang="ru-RU" b="0" dirty="0">
+                        <a:solidFill>
+                          <a:schemeClr val="tx1"/>
+                        </a:solidFill>
+                        <a:effectLst/>
+                      </a:endParaRPr>
+                    </a:p>
+                  </a:txBody>
+                  <a:tcPr anchor="ctr">
+                    <a:lnL w="12700" cap="flat" cmpd="sng" algn="ctr">
+                      <a:solidFill>
+                        <a:schemeClr val="tx1"/>
+                      </a:solidFill>
+                      <a:prstDash val="solid"/>
+                      <a:round/>
+                      <a:headEnd type="none" w="med" len="med"/>
+                      <a:tailEnd type="none" w="med" len="med"/>
+                    </a:lnL>
+                    <a:lnR w="12700" cap="flat" cmpd="sng" algn="ctr">
+                      <a:solidFill>
+                        <a:schemeClr val="tx1"/>
+                      </a:solidFill>
+                      <a:prstDash val="solid"/>
+                      <a:round/>
+                      <a:headEnd type="none" w="med" len="med"/>
+                      <a:tailEnd type="none" w="med" len="med"/>
+                    </a:lnR>
+                    <a:lnT w="12700" cap="flat" cmpd="sng" algn="ctr">
+                      <a:solidFill>
+                        <a:schemeClr val="tx1"/>
+                      </a:solidFill>
+                      <a:prstDash val="solid"/>
+                      <a:round/>
+                      <a:headEnd type="none" w="med" len="med"/>
+                      <a:tailEnd type="none" w="med" len="med"/>
+                    </a:lnT>
+                    <a:lnB w="12700" cap="flat" cmpd="sng" algn="ctr">
+                      <a:solidFill>
+                        <a:schemeClr val="tx1"/>
+                      </a:solidFill>
+                      <a:prstDash val="solid"/>
+                      <a:round/>
+                      <a:headEnd type="none" w="med" len="med"/>
+                      <a:tailEnd type="none" w="med" len="med"/>
+                    </a:lnB>
+                  </a:tcPr>
+                </a:tc>
+                <a:tc>
+                  <a:txBody>
+                    <a:bodyPr/>
+                    <a:lstStyle/>
+                    <a:p>
+                      <a:pPr algn="l" fontAlgn="ctr"/>
+                      <a:r>
+                        <a:rPr lang="en-US" b="1">
+                          <a:solidFill>
+                            <a:schemeClr val="tx1"/>
+                          </a:solidFill>
+                          <a:effectLst/>
+                        </a:rPr>
+                        <a:t>Tricentis Tosca</a:t>
+                      </a:r>
+                      <a:endParaRPr lang="en-US" b="0">
+                        <a:solidFill>
+                          <a:schemeClr val="tx1"/>
+                        </a:solidFill>
+                        <a:effectLst/>
+                      </a:endParaRPr>
+                    </a:p>
+                  </a:txBody>
+                  <a:tcPr anchor="ctr">
+                    <a:lnL w="12700" cap="flat" cmpd="sng" algn="ctr">
+                      <a:solidFill>
+                        <a:schemeClr val="tx1"/>
+                      </a:solidFill>
+                      <a:prstDash val="solid"/>
+                      <a:round/>
+                      <a:headEnd type="none" w="med" len="med"/>
+                      <a:tailEnd type="none" w="med" len="med"/>
+                    </a:lnL>
+                    <a:lnR w="12700" cap="flat" cmpd="sng" algn="ctr">
+                      <a:solidFill>
+                        <a:schemeClr val="tx1"/>
+                      </a:solidFill>
+                      <a:prstDash val="solid"/>
+                      <a:round/>
+                      <a:headEnd type="none" w="med" len="med"/>
+                      <a:tailEnd type="none" w="med" len="med"/>
+                    </a:lnR>
+                    <a:lnT w="12700" cap="flat" cmpd="sng" algn="ctr">
+                      <a:solidFill>
+                        <a:schemeClr val="tx1"/>
+                      </a:solidFill>
+                      <a:prstDash val="solid"/>
+                      <a:round/>
+                      <a:headEnd type="none" w="med" len="med"/>
+                      <a:tailEnd type="none" w="med" len="med"/>
+                    </a:lnT>
+                    <a:lnB w="12700" cap="flat" cmpd="sng" algn="ctr">
+                      <a:solidFill>
+                        <a:schemeClr val="tx1"/>
+                      </a:solidFill>
+                      <a:prstDash val="solid"/>
+                      <a:round/>
+                      <a:headEnd type="none" w="med" len="med"/>
+                      <a:tailEnd type="none" w="med" len="med"/>
+                    </a:lnB>
+                  </a:tcPr>
+                </a:tc>
+                <a:tc>
+                  <a:txBody>
+                    <a:bodyPr/>
+                    <a:lstStyle/>
+                    <a:p>
+                      <a:pPr algn="l" fontAlgn="ctr"/>
+                      <a:r>
+                        <a:rPr lang="en-US" b="1">
+                          <a:solidFill>
+                            <a:schemeClr val="tx1"/>
+                          </a:solidFill>
+                          <a:effectLst/>
+                        </a:rPr>
+                        <a:t>Mabl</a:t>
+                      </a:r>
+                      <a:endParaRPr lang="en-US" b="0">
+                        <a:solidFill>
+                          <a:schemeClr val="tx1"/>
+                        </a:solidFill>
+                        <a:effectLst/>
+                      </a:endParaRPr>
+                    </a:p>
+                  </a:txBody>
+                  <a:tcPr anchor="ctr">
+                    <a:lnL w="12700" cap="flat" cmpd="sng" algn="ctr">
+                      <a:solidFill>
+                        <a:schemeClr val="tx1"/>
+                      </a:solidFill>
+                      <a:prstDash val="solid"/>
+                      <a:round/>
+                      <a:headEnd type="none" w="med" len="med"/>
+                      <a:tailEnd type="none" w="med" len="med"/>
+                    </a:lnL>
+                    <a:lnR w="12700" cap="flat" cmpd="sng" algn="ctr">
+                      <a:solidFill>
+                        <a:schemeClr val="tx1"/>
+                      </a:solidFill>
+                      <a:prstDash val="solid"/>
+                      <a:round/>
+                      <a:headEnd type="none" w="med" len="med"/>
+                      <a:tailEnd type="none" w="med" len="med"/>
+                    </a:lnR>
+                    <a:lnT w="12700" cap="flat" cmpd="sng" algn="ctr">
+                      <a:solidFill>
+                        <a:schemeClr val="tx1"/>
+                      </a:solidFill>
+                      <a:prstDash val="solid"/>
+                      <a:round/>
+                      <a:headEnd type="none" w="med" len="med"/>
+                      <a:tailEnd type="none" w="med" len="med"/>
+                    </a:lnT>
+                    <a:lnB w="12700" cap="flat" cmpd="sng" algn="ctr">
+                      <a:solidFill>
+                        <a:schemeClr val="tx1"/>
+                      </a:solidFill>
+                      <a:prstDash val="solid"/>
+                      <a:round/>
+                      <a:headEnd type="none" w="med" len="med"/>
+                      <a:tailEnd type="none" w="med" len="med"/>
+                    </a:lnB>
+                  </a:tcPr>
+                </a:tc>
+                <a:tc>
+                  <a:txBody>
+                    <a:bodyPr/>
+                    <a:lstStyle/>
+                    <a:p>
+                      <a:pPr algn="l" fontAlgn="ctr"/>
+                      <a:r>
+                        <a:rPr lang="ru-RU" b="1">
+                          <a:solidFill>
+                            <a:schemeClr val="tx1"/>
+                          </a:solidFill>
+                          <a:effectLst/>
+                        </a:rPr>
+                        <a:t>Собственное решение</a:t>
+                      </a:r>
+                      <a:endParaRPr lang="ru-RU" b="0">
+                        <a:solidFill>
+                          <a:schemeClr val="tx1"/>
+                        </a:solidFill>
+                        <a:effectLst/>
+                      </a:endParaRPr>
+                    </a:p>
+                  </a:txBody>
+                  <a:tcPr anchor="ctr">
+                    <a:lnL w="12700" cap="flat" cmpd="sng" algn="ctr">
+                      <a:solidFill>
+                        <a:schemeClr val="tx1"/>
+                      </a:solidFill>
+                      <a:prstDash val="solid"/>
+                      <a:round/>
+                      <a:headEnd type="none" w="med" len="med"/>
+                      <a:tailEnd type="none" w="med" len="med"/>
+                    </a:lnL>
+                    <a:lnR w="12700" cap="flat" cmpd="sng" algn="ctr">
+                      <a:solidFill>
+                        <a:schemeClr val="tx1"/>
+                      </a:solidFill>
+                      <a:prstDash val="solid"/>
+                      <a:round/>
+                      <a:headEnd type="none" w="med" len="med"/>
+                      <a:tailEnd type="none" w="med" len="med"/>
+                    </a:lnR>
+                    <a:lnT w="12700" cap="flat" cmpd="sng" algn="ctr">
+                      <a:solidFill>
+                        <a:schemeClr val="tx1"/>
+                      </a:solidFill>
+                      <a:prstDash val="solid"/>
+                      <a:round/>
+                      <a:headEnd type="none" w="med" len="med"/>
+                      <a:tailEnd type="none" w="med" len="med"/>
+                    </a:lnT>
+                    <a:lnB w="12700" cap="flat" cmpd="sng" algn="ctr">
+                      <a:solidFill>
+                        <a:schemeClr val="tx1"/>
+                      </a:solidFill>
+                      <a:prstDash val="solid"/>
+                      <a:round/>
+                      <a:headEnd type="none" w="med" len="med"/>
+                      <a:tailEnd type="none" w="med" len="med"/>
+                    </a:lnB>
+                  </a:tcPr>
+                </a:tc>
+                <a:extLst>
+                  <a:ext uri="{0D108BD9-81ED-4DB2-BD59-A6C34878D82A}">
+                    <a16:rowId xmlns:a16="http://schemas.microsoft.com/office/drawing/2014/main" val="3330578055"/>
+                  </a:ext>
+                </a:extLst>
+              </a:tr>
+              <a:tr h="794674">
+                <a:tc>
+                  <a:txBody>
+                    <a:bodyPr/>
+                    <a:lstStyle/>
+                    <a:p>
+                      <a:pPr algn="l" fontAlgn="ctr"/>
+                      <a:r>
+                        <a:rPr lang="ru-RU" b="1" dirty="0">
+                          <a:solidFill>
+                            <a:schemeClr val="tx1"/>
+                          </a:solidFill>
+                          <a:effectLst/>
+                        </a:rPr>
+                        <a:t>Стоимость</a:t>
+                      </a:r>
+                      <a:endParaRPr lang="ru-RU" dirty="0">
+                        <a:solidFill>
+                          <a:schemeClr val="tx1"/>
+                        </a:solidFill>
+                        <a:effectLst/>
+                      </a:endParaRPr>
+                    </a:p>
+                  </a:txBody>
+                  <a:tcPr anchor="ctr">
+                    <a:lnL w="12700" cap="flat" cmpd="sng" algn="ctr">
+                      <a:solidFill>
+                        <a:schemeClr val="tx1"/>
+                      </a:solidFill>
+                      <a:prstDash val="solid"/>
+                      <a:round/>
+                      <a:headEnd type="none" w="med" len="med"/>
+                      <a:tailEnd type="none" w="med" len="med"/>
+                    </a:lnL>
+                    <a:lnR w="12700" cap="flat" cmpd="sng" algn="ctr">
+                      <a:solidFill>
+                        <a:schemeClr val="tx1"/>
+                      </a:solidFill>
+                      <a:prstDash val="solid"/>
+                      <a:round/>
+                      <a:headEnd type="none" w="med" len="med"/>
+                      <a:tailEnd type="none" w="med" len="med"/>
+                    </a:lnR>
+                    <a:lnT w="12700" cap="flat" cmpd="sng" algn="ctr">
+                      <a:solidFill>
+                        <a:schemeClr val="tx1"/>
+                      </a:solidFill>
+                      <a:prstDash val="solid"/>
+                      <a:round/>
+                      <a:headEnd type="none" w="med" len="med"/>
+                      <a:tailEnd type="none" w="med" len="med"/>
+                    </a:lnT>
+                    <a:lnB w="12700" cap="flat" cmpd="sng" algn="ctr">
+                      <a:solidFill>
+                        <a:schemeClr val="tx1"/>
+                      </a:solidFill>
+                      <a:prstDash val="solid"/>
+                      <a:round/>
+                      <a:headEnd type="none" w="med" len="med"/>
+                      <a:tailEnd type="none" w="med" len="med"/>
+                    </a:lnB>
+                  </a:tcPr>
+                </a:tc>
+                <a:tc>
+                  <a:txBody>
+                    <a:bodyPr/>
+                    <a:lstStyle/>
+                    <a:p>
+                      <a:pPr algn="l" fontAlgn="ctr"/>
+                      <a:r>
+                        <a:rPr lang="ru-RU" dirty="0">
+                          <a:solidFill>
+                            <a:schemeClr val="tx1"/>
+                          </a:solidFill>
+                          <a:effectLst/>
+                        </a:rPr>
+                        <a:t>Высокая; лицензирование на основе количества пользователей</a:t>
+                      </a:r>
+                    </a:p>
+                  </a:txBody>
+                  <a:tcPr anchor="ctr">
+                    <a:lnL w="12700" cap="flat" cmpd="sng" algn="ctr">
+                      <a:solidFill>
+                        <a:schemeClr val="tx1"/>
+                      </a:solidFill>
+                      <a:prstDash val="solid"/>
+                      <a:round/>
+                      <a:headEnd type="none" w="med" len="med"/>
+                      <a:tailEnd type="none" w="med" len="med"/>
+                    </a:lnL>
+                    <a:lnR w="12700" cap="flat" cmpd="sng" algn="ctr">
+                      <a:solidFill>
+                        <a:schemeClr val="tx1"/>
+                      </a:solidFill>
+                      <a:prstDash val="solid"/>
+                      <a:round/>
+                      <a:headEnd type="none" w="med" len="med"/>
+                      <a:tailEnd type="none" w="med" len="med"/>
+                    </a:lnR>
+                    <a:lnT w="12700" cap="flat" cmpd="sng" algn="ctr">
+                      <a:solidFill>
+                        <a:schemeClr val="tx1"/>
+                      </a:solidFill>
+                      <a:prstDash val="solid"/>
+                      <a:round/>
+                      <a:headEnd type="none" w="med" len="med"/>
+                      <a:tailEnd type="none" w="med" len="med"/>
+                    </a:lnT>
+                    <a:lnB w="12700" cap="flat" cmpd="sng" algn="ctr">
+                      <a:solidFill>
+                        <a:schemeClr val="tx1"/>
+                      </a:solidFill>
+                      <a:prstDash val="solid"/>
+                      <a:round/>
+                      <a:headEnd type="none" w="med" len="med"/>
+                      <a:tailEnd type="none" w="med" len="med"/>
+                    </a:lnB>
+                  </a:tcPr>
+                </a:tc>
+                <a:tc>
+                  <a:txBody>
+                    <a:bodyPr/>
+                    <a:lstStyle/>
+                    <a:p>
+                      <a:pPr algn="l" fontAlgn="ctr"/>
+                      <a:r>
+                        <a:rPr lang="ru-RU">
+                          <a:solidFill>
+                            <a:schemeClr val="tx1"/>
+                          </a:solidFill>
+                          <a:effectLst/>
+                        </a:rPr>
+                        <a:t>Подписка на SaaS; стоимость зависит от количества тестов и пользователей</a:t>
+                      </a:r>
+                    </a:p>
+                  </a:txBody>
+                  <a:tcPr anchor="ctr">
+                    <a:lnL w="12700" cap="flat" cmpd="sng" algn="ctr">
+                      <a:solidFill>
+                        <a:schemeClr val="tx1"/>
+                      </a:solidFill>
+                      <a:prstDash val="solid"/>
+                      <a:round/>
+                      <a:headEnd type="none" w="med" len="med"/>
+                      <a:tailEnd type="none" w="med" len="med"/>
+                    </a:lnL>
+                    <a:lnR w="12700" cap="flat" cmpd="sng" algn="ctr">
+                      <a:solidFill>
+                        <a:schemeClr val="tx1"/>
+                      </a:solidFill>
+                      <a:prstDash val="solid"/>
+                      <a:round/>
+                      <a:headEnd type="none" w="med" len="med"/>
+                      <a:tailEnd type="none" w="med" len="med"/>
+                    </a:lnR>
+                    <a:lnT w="12700" cap="flat" cmpd="sng" algn="ctr">
+                      <a:solidFill>
+                        <a:schemeClr val="tx1"/>
+                      </a:solidFill>
+                      <a:prstDash val="solid"/>
+                      <a:round/>
+                      <a:headEnd type="none" w="med" len="med"/>
+                      <a:tailEnd type="none" w="med" len="med"/>
+                    </a:lnT>
+                    <a:lnB w="12700" cap="flat" cmpd="sng" algn="ctr">
+                      <a:solidFill>
+                        <a:schemeClr val="tx1"/>
+                      </a:solidFill>
+                      <a:prstDash val="solid"/>
+                      <a:round/>
+                      <a:headEnd type="none" w="med" len="med"/>
+                      <a:tailEnd type="none" w="med" len="med"/>
+                    </a:lnB>
+                  </a:tcPr>
+                </a:tc>
+                <a:tc>
+                  <a:txBody>
+                    <a:bodyPr/>
+                    <a:lstStyle/>
+                    <a:p>
+                      <a:pPr algn="l" fontAlgn="ctr"/>
+                      <a:r>
+                        <a:rPr lang="ru-BY" dirty="0">
+                          <a:solidFill>
+                            <a:schemeClr val="tx1"/>
+                          </a:solidFill>
+                          <a:effectLst/>
+                        </a:rPr>
+                        <a:t>Бесплатно</a:t>
+                      </a:r>
+                      <a:endParaRPr lang="ru-RU" dirty="0">
+                        <a:solidFill>
+                          <a:schemeClr val="tx1"/>
+                        </a:solidFill>
+                        <a:effectLst/>
+                      </a:endParaRPr>
+                    </a:p>
+                  </a:txBody>
+                  <a:tcPr anchor="ctr">
+                    <a:lnL w="12700" cap="flat" cmpd="sng" algn="ctr">
+                      <a:solidFill>
+                        <a:schemeClr val="tx1"/>
+                      </a:solidFill>
+                      <a:prstDash val="solid"/>
+                      <a:round/>
+                      <a:headEnd type="none" w="med" len="med"/>
+                      <a:tailEnd type="none" w="med" len="med"/>
+                    </a:lnL>
+                    <a:lnR w="12700" cap="flat" cmpd="sng" algn="ctr">
+                      <a:solidFill>
+                        <a:schemeClr val="tx1"/>
+                      </a:solidFill>
+                      <a:prstDash val="solid"/>
+                      <a:round/>
+                      <a:headEnd type="none" w="med" len="med"/>
+                      <a:tailEnd type="none" w="med" len="med"/>
+                    </a:lnR>
+                    <a:lnT w="12700" cap="flat" cmpd="sng" algn="ctr">
+                      <a:solidFill>
+                        <a:schemeClr val="tx1"/>
+                      </a:solidFill>
+                      <a:prstDash val="solid"/>
+                      <a:round/>
+                      <a:headEnd type="none" w="med" len="med"/>
+                      <a:tailEnd type="none" w="med" len="med"/>
+                    </a:lnT>
+                    <a:lnB w="12700" cap="flat" cmpd="sng" algn="ctr">
+                      <a:solidFill>
+                        <a:schemeClr val="tx1"/>
+                      </a:solidFill>
+                      <a:prstDash val="solid"/>
+                      <a:round/>
+                      <a:headEnd type="none" w="med" len="med"/>
+                      <a:tailEnd type="none" w="med" len="med"/>
+                    </a:lnB>
+                  </a:tcPr>
+                </a:tc>
+                <a:extLst>
+                  <a:ext uri="{0D108BD9-81ED-4DB2-BD59-A6C34878D82A}">
+                    <a16:rowId xmlns:a16="http://schemas.microsoft.com/office/drawing/2014/main" val="503402343"/>
+                  </a:ext>
+                </a:extLst>
+              </a:tr>
+              <a:tr h="794674">
+                <a:tc>
+                  <a:txBody>
+                    <a:bodyPr/>
+                    <a:lstStyle/>
+                    <a:p>
+                      <a:pPr algn="l" fontAlgn="ctr"/>
+                      <a:r>
+                        <a:rPr lang="ru-RU" b="1" dirty="0">
+                          <a:solidFill>
+                            <a:schemeClr val="tx1"/>
+                          </a:solidFill>
+                          <a:effectLst/>
+                        </a:rPr>
+                        <a:t>Необходимость подключения к интернету</a:t>
+                      </a:r>
+                      <a:endParaRPr lang="ru-RU" dirty="0">
+                        <a:solidFill>
+                          <a:schemeClr val="tx1"/>
+                        </a:solidFill>
+                        <a:effectLst/>
+                      </a:endParaRPr>
+                    </a:p>
+                  </a:txBody>
+                  <a:tcPr anchor="ctr">
+                    <a:lnL w="12700" cap="flat" cmpd="sng" algn="ctr">
+                      <a:solidFill>
+                        <a:schemeClr val="tx1"/>
+                      </a:solidFill>
+                      <a:prstDash val="solid"/>
+                      <a:round/>
+                      <a:headEnd type="none" w="med" len="med"/>
+                      <a:tailEnd type="none" w="med" len="med"/>
+                    </a:lnL>
+                    <a:lnR w="12700" cap="flat" cmpd="sng" algn="ctr">
+                      <a:solidFill>
+                        <a:schemeClr val="tx1"/>
+                      </a:solidFill>
+                      <a:prstDash val="solid"/>
+                      <a:round/>
+                      <a:headEnd type="none" w="med" len="med"/>
+                      <a:tailEnd type="none" w="med" len="med"/>
+                    </a:lnR>
+                    <a:lnT w="12700" cap="flat" cmpd="sng" algn="ctr">
+                      <a:solidFill>
+                        <a:schemeClr val="tx1"/>
+                      </a:solidFill>
+                      <a:prstDash val="solid"/>
+                      <a:round/>
+                      <a:headEnd type="none" w="med" len="med"/>
+                      <a:tailEnd type="none" w="med" len="med"/>
+                    </a:lnT>
+                    <a:lnB w="12700" cap="flat" cmpd="sng" algn="ctr">
+                      <a:solidFill>
+                        <a:schemeClr val="tx1"/>
+                      </a:solidFill>
+                      <a:prstDash val="solid"/>
+                      <a:round/>
+                      <a:headEnd type="none" w="med" len="med"/>
+                      <a:tailEnd type="none" w="med" len="med"/>
+                    </a:lnB>
+                  </a:tcPr>
+                </a:tc>
+                <a:tc>
+                  <a:txBody>
+                    <a:bodyPr/>
+                    <a:lstStyle/>
+                    <a:p>
+                      <a:pPr algn="l" fontAlgn="ctr"/>
+                      <a:r>
+                        <a:rPr lang="ru-BY" dirty="0">
+                          <a:solidFill>
+                            <a:schemeClr val="tx1"/>
+                          </a:solidFill>
+                          <a:effectLst/>
+                        </a:rPr>
+                        <a:t>Требуется</a:t>
+                      </a:r>
+                      <a:endParaRPr lang="ru-RU" dirty="0">
+                        <a:solidFill>
+                          <a:schemeClr val="tx1"/>
+                        </a:solidFill>
+                        <a:effectLst/>
+                      </a:endParaRPr>
+                    </a:p>
+                  </a:txBody>
+                  <a:tcPr anchor="ctr">
+                    <a:lnL w="12700" cap="flat" cmpd="sng" algn="ctr">
+                      <a:solidFill>
+                        <a:schemeClr val="tx1"/>
+                      </a:solidFill>
+                      <a:prstDash val="solid"/>
+                      <a:round/>
+                      <a:headEnd type="none" w="med" len="med"/>
+                      <a:tailEnd type="none" w="med" len="med"/>
+                    </a:lnL>
+                    <a:lnR w="12700" cap="flat" cmpd="sng" algn="ctr">
+                      <a:solidFill>
+                        <a:schemeClr val="tx1"/>
+                      </a:solidFill>
+                      <a:prstDash val="solid"/>
+                      <a:round/>
+                      <a:headEnd type="none" w="med" len="med"/>
+                      <a:tailEnd type="none" w="med" len="med"/>
+                    </a:lnR>
+                    <a:lnT w="12700" cap="flat" cmpd="sng" algn="ctr">
+                      <a:solidFill>
+                        <a:schemeClr val="tx1"/>
+                      </a:solidFill>
+                      <a:prstDash val="solid"/>
+                      <a:round/>
+                      <a:headEnd type="none" w="med" len="med"/>
+                      <a:tailEnd type="none" w="med" len="med"/>
+                    </a:lnT>
+                    <a:lnB w="12700" cap="flat" cmpd="sng" algn="ctr">
+                      <a:solidFill>
+                        <a:schemeClr val="tx1"/>
+                      </a:solidFill>
+                      <a:prstDash val="solid"/>
+                      <a:round/>
+                      <a:headEnd type="none" w="med" len="med"/>
+                      <a:tailEnd type="none" w="med" len="med"/>
+                    </a:lnB>
+                  </a:tcPr>
+                </a:tc>
+                <a:tc>
+                  <a:txBody>
+                    <a:bodyPr/>
+                    <a:lstStyle/>
+                    <a:p>
+                      <a:pPr algn="l" fontAlgn="ctr"/>
+                      <a:r>
+                        <a:rPr lang="ru-BY" dirty="0">
+                          <a:solidFill>
+                            <a:schemeClr val="tx1"/>
+                          </a:solidFill>
+                          <a:effectLst/>
+                        </a:rPr>
+                        <a:t>Требуется</a:t>
+                      </a:r>
+                      <a:endParaRPr lang="ru-RU" dirty="0">
+                        <a:solidFill>
+                          <a:schemeClr val="tx1"/>
+                        </a:solidFill>
+                        <a:effectLst/>
+                      </a:endParaRPr>
+                    </a:p>
+                  </a:txBody>
+                  <a:tcPr anchor="ctr">
+                    <a:lnL w="12700" cap="flat" cmpd="sng" algn="ctr">
+                      <a:solidFill>
+                        <a:schemeClr val="tx1"/>
+                      </a:solidFill>
+                      <a:prstDash val="solid"/>
+                      <a:round/>
+                      <a:headEnd type="none" w="med" len="med"/>
+                      <a:tailEnd type="none" w="med" len="med"/>
+                    </a:lnL>
+                    <a:lnR w="12700" cap="flat" cmpd="sng" algn="ctr">
+                      <a:solidFill>
+                        <a:schemeClr val="tx1"/>
+                      </a:solidFill>
+                      <a:prstDash val="solid"/>
+                      <a:round/>
+                      <a:headEnd type="none" w="med" len="med"/>
+                      <a:tailEnd type="none" w="med" len="med"/>
+                    </a:lnR>
+                    <a:lnT w="12700" cap="flat" cmpd="sng" algn="ctr">
+                      <a:solidFill>
+                        <a:schemeClr val="tx1"/>
+                      </a:solidFill>
+                      <a:prstDash val="solid"/>
+                      <a:round/>
+                      <a:headEnd type="none" w="med" len="med"/>
+                      <a:tailEnd type="none" w="med" len="med"/>
+                    </a:lnT>
+                    <a:lnB w="12700" cap="flat" cmpd="sng" algn="ctr">
+                      <a:solidFill>
+                        <a:schemeClr val="tx1"/>
+                      </a:solidFill>
+                      <a:prstDash val="solid"/>
+                      <a:round/>
+                      <a:headEnd type="none" w="med" len="med"/>
+                      <a:tailEnd type="none" w="med" len="med"/>
+                    </a:lnB>
+                  </a:tcPr>
+                </a:tc>
+                <a:tc>
+                  <a:txBody>
+                    <a:bodyPr/>
+                    <a:lstStyle/>
+                    <a:p>
+                      <a:pPr algn="l" fontAlgn="ctr"/>
+                      <a:r>
+                        <a:rPr lang="ru-RU" dirty="0">
+                          <a:solidFill>
+                            <a:schemeClr val="tx1"/>
+                          </a:solidFill>
+                          <a:effectLst/>
+                        </a:rPr>
+                        <a:t>Не требуется</a:t>
+                      </a:r>
+                    </a:p>
+                  </a:txBody>
+                  <a:tcPr anchor="ctr">
+                    <a:lnL w="12700" cap="flat" cmpd="sng" algn="ctr">
+                      <a:solidFill>
+                        <a:schemeClr val="tx1"/>
+                      </a:solidFill>
+                      <a:prstDash val="solid"/>
+                      <a:round/>
+                      <a:headEnd type="none" w="med" len="med"/>
+                      <a:tailEnd type="none" w="med" len="med"/>
+                    </a:lnL>
+                    <a:lnR w="12700" cap="flat" cmpd="sng" algn="ctr">
+                      <a:solidFill>
+                        <a:schemeClr val="tx1"/>
+                      </a:solidFill>
+                      <a:prstDash val="solid"/>
+                      <a:round/>
+                      <a:headEnd type="none" w="med" len="med"/>
+                      <a:tailEnd type="none" w="med" len="med"/>
+                    </a:lnR>
+                    <a:lnT w="12700" cap="flat" cmpd="sng" algn="ctr">
+                      <a:solidFill>
+                        <a:schemeClr val="tx1"/>
+                      </a:solidFill>
+                      <a:prstDash val="solid"/>
+                      <a:round/>
+                      <a:headEnd type="none" w="med" len="med"/>
+                      <a:tailEnd type="none" w="med" len="med"/>
+                    </a:lnT>
+                    <a:lnB w="12700" cap="flat" cmpd="sng" algn="ctr">
+                      <a:solidFill>
+                        <a:schemeClr val="tx1"/>
+                      </a:solidFill>
+                      <a:prstDash val="solid"/>
+                      <a:round/>
+                      <a:headEnd type="none" w="med" len="med"/>
+                      <a:tailEnd type="none" w="med" len="med"/>
+                    </a:lnB>
+                  </a:tcPr>
+                </a:tc>
+                <a:extLst>
+                  <a:ext uri="{0D108BD9-81ED-4DB2-BD59-A6C34878D82A}">
+                    <a16:rowId xmlns:a16="http://schemas.microsoft.com/office/drawing/2014/main" val="2129270013"/>
+                  </a:ext>
+                </a:extLst>
+              </a:tr>
+              <a:tr h="794674">
+                <a:tc>
+                  <a:txBody>
+                    <a:bodyPr/>
+                    <a:lstStyle/>
+                    <a:p>
+                      <a:pPr algn="l" fontAlgn="ctr"/>
+                      <a:r>
+                        <a:rPr lang="ru-RU" b="1" dirty="0">
+                          <a:solidFill>
+                            <a:schemeClr val="tx1"/>
+                          </a:solidFill>
+                          <a:effectLst/>
+                        </a:rPr>
+                        <a:t>Гибкость</a:t>
+                      </a:r>
+                      <a:endParaRPr lang="ru-RU" dirty="0">
+                        <a:solidFill>
+                          <a:schemeClr val="tx1"/>
+                        </a:solidFill>
+                        <a:effectLst/>
+                      </a:endParaRPr>
+                    </a:p>
+                  </a:txBody>
+                  <a:tcPr anchor="ctr">
+                    <a:lnL w="12700" cap="flat" cmpd="sng" algn="ctr">
+                      <a:solidFill>
+                        <a:schemeClr val="tx1"/>
+                      </a:solidFill>
+                      <a:prstDash val="solid"/>
+                      <a:round/>
+                      <a:headEnd type="none" w="med" len="med"/>
+                      <a:tailEnd type="none" w="med" len="med"/>
+                    </a:lnL>
+                    <a:lnR w="12700" cap="flat" cmpd="sng" algn="ctr">
+                      <a:solidFill>
+                        <a:schemeClr val="tx1"/>
+                      </a:solidFill>
+                      <a:prstDash val="solid"/>
+                      <a:round/>
+                      <a:headEnd type="none" w="med" len="med"/>
+                      <a:tailEnd type="none" w="med" len="med"/>
+                    </a:lnR>
+                    <a:lnT w="12700" cap="flat" cmpd="sng" algn="ctr">
+                      <a:solidFill>
+                        <a:schemeClr val="tx1"/>
+                      </a:solidFill>
+                      <a:prstDash val="solid"/>
+                      <a:round/>
+                      <a:headEnd type="none" w="med" len="med"/>
+                      <a:tailEnd type="none" w="med" len="med"/>
+                    </a:lnT>
+                    <a:lnB w="12700" cap="flat" cmpd="sng" algn="ctr">
+                      <a:solidFill>
+                        <a:schemeClr val="tx1"/>
+                      </a:solidFill>
+                      <a:prstDash val="solid"/>
+                      <a:round/>
+                      <a:headEnd type="none" w="med" len="med"/>
+                      <a:tailEnd type="none" w="med" len="med"/>
+                    </a:lnB>
+                  </a:tcPr>
+                </a:tc>
+                <a:tc>
+                  <a:txBody>
+                    <a:bodyPr/>
+                    <a:lstStyle/>
+                    <a:p>
+                      <a:pPr algn="l" fontAlgn="ctr"/>
+                      <a:r>
+                        <a:rPr lang="ru-RU">
+                          <a:solidFill>
+                            <a:schemeClr val="tx1"/>
+                          </a:solidFill>
+                          <a:effectLst/>
+                        </a:rPr>
+                        <a:t>Высокая, поддержка различных технологий</a:t>
+                      </a:r>
+                    </a:p>
+                  </a:txBody>
+                  <a:tcPr anchor="ctr">
+                    <a:lnL w="12700" cap="flat" cmpd="sng" algn="ctr">
+                      <a:solidFill>
+                        <a:schemeClr val="tx1"/>
+                      </a:solidFill>
+                      <a:prstDash val="solid"/>
+                      <a:round/>
+                      <a:headEnd type="none" w="med" len="med"/>
+                      <a:tailEnd type="none" w="med" len="med"/>
+                    </a:lnL>
+                    <a:lnR w="12700" cap="flat" cmpd="sng" algn="ctr">
+                      <a:solidFill>
+                        <a:schemeClr val="tx1"/>
+                      </a:solidFill>
+                      <a:prstDash val="solid"/>
+                      <a:round/>
+                      <a:headEnd type="none" w="med" len="med"/>
+                      <a:tailEnd type="none" w="med" len="med"/>
+                    </a:lnR>
+                    <a:lnT w="12700" cap="flat" cmpd="sng" algn="ctr">
+                      <a:solidFill>
+                        <a:schemeClr val="tx1"/>
+                      </a:solidFill>
+                      <a:prstDash val="solid"/>
+                      <a:round/>
+                      <a:headEnd type="none" w="med" len="med"/>
+                      <a:tailEnd type="none" w="med" len="med"/>
+                    </a:lnT>
+                    <a:lnB w="12700" cap="flat" cmpd="sng" algn="ctr">
+                      <a:solidFill>
+                        <a:schemeClr val="tx1"/>
+                      </a:solidFill>
+                      <a:prstDash val="solid"/>
+                      <a:round/>
+                      <a:headEnd type="none" w="med" len="med"/>
+                      <a:tailEnd type="none" w="med" len="med"/>
+                    </a:lnB>
+                  </a:tcPr>
+                </a:tc>
+                <a:tc>
+                  <a:txBody>
+                    <a:bodyPr/>
+                    <a:lstStyle/>
+                    <a:p>
+                      <a:pPr algn="l" fontAlgn="ctr"/>
+                      <a:r>
+                        <a:rPr lang="ru-RU">
+                          <a:solidFill>
+                            <a:schemeClr val="tx1"/>
+                          </a:solidFill>
+                          <a:effectLst/>
+                        </a:rPr>
+                        <a:t>Ограниченная; зависит от возможностей SaaS</a:t>
+                      </a:r>
+                    </a:p>
+                  </a:txBody>
+                  <a:tcPr anchor="ctr">
+                    <a:lnL w="12700" cap="flat" cmpd="sng" algn="ctr">
+                      <a:solidFill>
+                        <a:schemeClr val="tx1"/>
+                      </a:solidFill>
+                      <a:prstDash val="solid"/>
+                      <a:round/>
+                      <a:headEnd type="none" w="med" len="med"/>
+                      <a:tailEnd type="none" w="med" len="med"/>
+                    </a:lnL>
+                    <a:lnR w="12700" cap="flat" cmpd="sng" algn="ctr">
+                      <a:solidFill>
+                        <a:schemeClr val="tx1"/>
+                      </a:solidFill>
+                      <a:prstDash val="solid"/>
+                      <a:round/>
+                      <a:headEnd type="none" w="med" len="med"/>
+                      <a:tailEnd type="none" w="med" len="med"/>
+                    </a:lnR>
+                    <a:lnT w="12700" cap="flat" cmpd="sng" algn="ctr">
+                      <a:solidFill>
+                        <a:schemeClr val="tx1"/>
+                      </a:solidFill>
+                      <a:prstDash val="solid"/>
+                      <a:round/>
+                      <a:headEnd type="none" w="med" len="med"/>
+                      <a:tailEnd type="none" w="med" len="med"/>
+                    </a:lnT>
+                    <a:lnB w="12700" cap="flat" cmpd="sng" algn="ctr">
+                      <a:solidFill>
+                        <a:schemeClr val="tx1"/>
+                      </a:solidFill>
+                      <a:prstDash val="solid"/>
+                      <a:round/>
+                      <a:headEnd type="none" w="med" len="med"/>
+                      <a:tailEnd type="none" w="med" len="med"/>
+                    </a:lnB>
+                  </a:tcPr>
+                </a:tc>
+                <a:tc>
+                  <a:txBody>
+                    <a:bodyPr/>
+                    <a:lstStyle/>
+                    <a:p>
+                      <a:pPr algn="l" fontAlgn="ctr"/>
+                      <a:r>
+                        <a:rPr lang="ru-RU">
+                          <a:solidFill>
+                            <a:schemeClr val="tx1"/>
+                          </a:solidFill>
+                          <a:effectLst/>
+                        </a:rPr>
+                        <a:t>Высокая; полностью адаптируемая под специфические нужды</a:t>
+                      </a:r>
+                    </a:p>
+                  </a:txBody>
+                  <a:tcPr anchor="ctr">
+                    <a:lnL w="12700" cap="flat" cmpd="sng" algn="ctr">
+                      <a:solidFill>
+                        <a:schemeClr val="tx1"/>
+                      </a:solidFill>
+                      <a:prstDash val="solid"/>
+                      <a:round/>
+                      <a:headEnd type="none" w="med" len="med"/>
+                      <a:tailEnd type="none" w="med" len="med"/>
+                    </a:lnL>
+                    <a:lnR w="12700" cap="flat" cmpd="sng" algn="ctr">
+                      <a:solidFill>
+                        <a:schemeClr val="tx1"/>
+                      </a:solidFill>
+                      <a:prstDash val="solid"/>
+                      <a:round/>
+                      <a:headEnd type="none" w="med" len="med"/>
+                      <a:tailEnd type="none" w="med" len="med"/>
+                    </a:lnR>
+                    <a:lnT w="12700" cap="flat" cmpd="sng" algn="ctr">
+                      <a:solidFill>
+                        <a:schemeClr val="tx1"/>
+                      </a:solidFill>
+                      <a:prstDash val="solid"/>
+                      <a:round/>
+                      <a:headEnd type="none" w="med" len="med"/>
+                      <a:tailEnd type="none" w="med" len="med"/>
+                    </a:lnT>
+                    <a:lnB w="12700" cap="flat" cmpd="sng" algn="ctr">
+                      <a:solidFill>
+                        <a:schemeClr val="tx1"/>
+                      </a:solidFill>
+                      <a:prstDash val="solid"/>
+                      <a:round/>
+                      <a:headEnd type="none" w="med" len="med"/>
+                      <a:tailEnd type="none" w="med" len="med"/>
+                    </a:lnB>
+                  </a:tcPr>
+                </a:tc>
+                <a:extLst>
+                  <a:ext uri="{0D108BD9-81ED-4DB2-BD59-A6C34878D82A}">
+                    <a16:rowId xmlns:a16="http://schemas.microsoft.com/office/drawing/2014/main" val="1268166671"/>
+                  </a:ext>
+                </a:extLst>
+              </a:tr>
+              <a:tr h="794674">
+                <a:tc>
+                  <a:txBody>
+                    <a:bodyPr/>
+                    <a:lstStyle/>
+                    <a:p>
+                      <a:pPr algn="l" fontAlgn="ctr"/>
+                      <a:r>
+                        <a:rPr lang="ru-RU" b="1">
+                          <a:solidFill>
+                            <a:schemeClr val="tx1"/>
+                          </a:solidFill>
+                          <a:effectLst/>
+                        </a:rPr>
+                        <a:t>Комплексность настройки</a:t>
+                      </a:r>
+                      <a:endParaRPr lang="ru-RU">
+                        <a:solidFill>
+                          <a:schemeClr val="tx1"/>
+                        </a:solidFill>
+                        <a:effectLst/>
+                      </a:endParaRPr>
+                    </a:p>
+                  </a:txBody>
+                  <a:tcPr anchor="ctr">
+                    <a:lnL w="12700" cap="flat" cmpd="sng" algn="ctr">
+                      <a:solidFill>
+                        <a:schemeClr val="tx1"/>
+                      </a:solidFill>
+                      <a:prstDash val="solid"/>
+                      <a:round/>
+                      <a:headEnd type="none" w="med" len="med"/>
+                      <a:tailEnd type="none" w="med" len="med"/>
+                    </a:lnL>
+                    <a:lnR w="12700" cap="flat" cmpd="sng" algn="ctr">
+                      <a:solidFill>
+                        <a:schemeClr val="tx1"/>
+                      </a:solidFill>
+                      <a:prstDash val="solid"/>
+                      <a:round/>
+                      <a:headEnd type="none" w="med" len="med"/>
+                      <a:tailEnd type="none" w="med" len="med"/>
+                    </a:lnR>
+                    <a:lnT w="12700" cap="flat" cmpd="sng" algn="ctr">
+                      <a:solidFill>
+                        <a:schemeClr val="tx1"/>
+                      </a:solidFill>
+                      <a:prstDash val="solid"/>
+                      <a:round/>
+                      <a:headEnd type="none" w="med" len="med"/>
+                      <a:tailEnd type="none" w="med" len="med"/>
+                    </a:lnT>
+                    <a:lnB w="12700" cap="flat" cmpd="sng" algn="ctr">
+                      <a:solidFill>
+                        <a:schemeClr val="tx1"/>
+                      </a:solidFill>
+                      <a:prstDash val="solid"/>
+                      <a:round/>
+                      <a:headEnd type="none" w="med" len="med"/>
+                      <a:tailEnd type="none" w="med" len="med"/>
+                    </a:lnB>
+                  </a:tcPr>
+                </a:tc>
+                <a:tc>
+                  <a:txBody>
+                    <a:bodyPr/>
+                    <a:lstStyle/>
+                    <a:p>
+                      <a:pPr algn="l" fontAlgn="ctr"/>
+                      <a:r>
+                        <a:rPr lang="ru-RU" dirty="0">
+                          <a:solidFill>
+                            <a:schemeClr val="tx1"/>
+                          </a:solidFill>
+                          <a:effectLst/>
+                        </a:rPr>
+                        <a:t>Сложная; требует времени на внедрение и обучение</a:t>
+                      </a:r>
+                    </a:p>
+                  </a:txBody>
+                  <a:tcPr anchor="ctr">
+                    <a:lnL w="12700" cap="flat" cmpd="sng" algn="ctr">
+                      <a:solidFill>
+                        <a:schemeClr val="tx1"/>
+                      </a:solidFill>
+                      <a:prstDash val="solid"/>
+                      <a:round/>
+                      <a:headEnd type="none" w="med" len="med"/>
+                      <a:tailEnd type="none" w="med" len="med"/>
+                    </a:lnL>
+                    <a:lnR w="12700" cap="flat" cmpd="sng" algn="ctr">
+                      <a:solidFill>
+                        <a:schemeClr val="tx1"/>
+                      </a:solidFill>
+                      <a:prstDash val="solid"/>
+                      <a:round/>
+                      <a:headEnd type="none" w="med" len="med"/>
+                      <a:tailEnd type="none" w="med" len="med"/>
+                    </a:lnR>
+                    <a:lnT w="12700" cap="flat" cmpd="sng" algn="ctr">
+                      <a:solidFill>
+                        <a:schemeClr val="tx1"/>
+                      </a:solidFill>
+                      <a:prstDash val="solid"/>
+                      <a:round/>
+                      <a:headEnd type="none" w="med" len="med"/>
+                      <a:tailEnd type="none" w="med" len="med"/>
+                    </a:lnT>
+                    <a:lnB w="12700" cap="flat" cmpd="sng" algn="ctr">
+                      <a:solidFill>
+                        <a:schemeClr val="tx1"/>
+                      </a:solidFill>
+                      <a:prstDash val="solid"/>
+                      <a:round/>
+                      <a:headEnd type="none" w="med" len="med"/>
+                      <a:tailEnd type="none" w="med" len="med"/>
+                    </a:lnB>
+                  </a:tcPr>
+                </a:tc>
+                <a:tc>
+                  <a:txBody>
+                    <a:bodyPr/>
+                    <a:lstStyle/>
+                    <a:p>
+                      <a:pPr algn="l" fontAlgn="ctr"/>
+                      <a:r>
+                        <a:rPr lang="ru-RU">
+                          <a:solidFill>
+                            <a:schemeClr val="tx1"/>
+                          </a:solidFill>
+                          <a:effectLst/>
+                        </a:rPr>
+                        <a:t>Простая; быстрая настройка через UI</a:t>
+                      </a:r>
+                    </a:p>
+                  </a:txBody>
+                  <a:tcPr anchor="ctr">
+                    <a:lnL w="12700" cap="flat" cmpd="sng" algn="ctr">
+                      <a:solidFill>
+                        <a:schemeClr val="tx1"/>
+                      </a:solidFill>
+                      <a:prstDash val="solid"/>
+                      <a:round/>
+                      <a:headEnd type="none" w="med" len="med"/>
+                      <a:tailEnd type="none" w="med" len="med"/>
+                    </a:lnL>
+                    <a:lnR w="12700" cap="flat" cmpd="sng" algn="ctr">
+                      <a:solidFill>
+                        <a:schemeClr val="tx1"/>
+                      </a:solidFill>
+                      <a:prstDash val="solid"/>
+                      <a:round/>
+                      <a:headEnd type="none" w="med" len="med"/>
+                      <a:tailEnd type="none" w="med" len="med"/>
+                    </a:lnR>
+                    <a:lnT w="12700" cap="flat" cmpd="sng" algn="ctr">
+                      <a:solidFill>
+                        <a:schemeClr val="tx1"/>
+                      </a:solidFill>
+                      <a:prstDash val="solid"/>
+                      <a:round/>
+                      <a:headEnd type="none" w="med" len="med"/>
+                      <a:tailEnd type="none" w="med" len="med"/>
+                    </a:lnT>
+                    <a:lnB w="12700" cap="flat" cmpd="sng" algn="ctr">
+                      <a:solidFill>
+                        <a:schemeClr val="tx1"/>
+                      </a:solidFill>
+                      <a:prstDash val="solid"/>
+                      <a:round/>
+                      <a:headEnd type="none" w="med" len="med"/>
+                      <a:tailEnd type="none" w="med" len="med"/>
+                    </a:lnB>
+                  </a:tcPr>
+                </a:tc>
+                <a:tc>
+                  <a:txBody>
+                    <a:bodyPr/>
+                    <a:lstStyle/>
+                    <a:p>
+                      <a:pPr algn="l" fontAlgn="ctr"/>
+                      <a:r>
+                        <a:rPr lang="ru-RU">
+                          <a:solidFill>
+                            <a:schemeClr val="tx1"/>
+                          </a:solidFill>
+                          <a:effectLst/>
+                        </a:rPr>
+                        <a:t>Средняя; зависит от сложности создаваемого решения</a:t>
+                      </a:r>
+                    </a:p>
+                  </a:txBody>
+                  <a:tcPr anchor="ctr">
+                    <a:lnL w="12700" cap="flat" cmpd="sng" algn="ctr">
+                      <a:solidFill>
+                        <a:schemeClr val="tx1"/>
+                      </a:solidFill>
+                      <a:prstDash val="solid"/>
+                      <a:round/>
+                      <a:headEnd type="none" w="med" len="med"/>
+                      <a:tailEnd type="none" w="med" len="med"/>
+                    </a:lnL>
+                    <a:lnR w="12700" cap="flat" cmpd="sng" algn="ctr">
+                      <a:solidFill>
+                        <a:schemeClr val="tx1"/>
+                      </a:solidFill>
+                      <a:prstDash val="solid"/>
+                      <a:round/>
+                      <a:headEnd type="none" w="med" len="med"/>
+                      <a:tailEnd type="none" w="med" len="med"/>
+                    </a:lnR>
+                    <a:lnT w="12700" cap="flat" cmpd="sng" algn="ctr">
+                      <a:solidFill>
+                        <a:schemeClr val="tx1"/>
+                      </a:solidFill>
+                      <a:prstDash val="solid"/>
+                      <a:round/>
+                      <a:headEnd type="none" w="med" len="med"/>
+                      <a:tailEnd type="none" w="med" len="med"/>
+                    </a:lnT>
+                    <a:lnB w="12700" cap="flat" cmpd="sng" algn="ctr">
+                      <a:solidFill>
+                        <a:schemeClr val="tx1"/>
+                      </a:solidFill>
+                      <a:prstDash val="solid"/>
+                      <a:round/>
+                      <a:headEnd type="none" w="med" len="med"/>
+                      <a:tailEnd type="none" w="med" len="med"/>
+                    </a:lnB>
+                  </a:tcPr>
+                </a:tc>
+                <a:extLst>
+                  <a:ext uri="{0D108BD9-81ED-4DB2-BD59-A6C34878D82A}">
+                    <a16:rowId xmlns:a16="http://schemas.microsoft.com/office/drawing/2014/main" val="2324772540"/>
+                  </a:ext>
+                </a:extLst>
+              </a:tr>
+              <a:tr h="794674">
+                <a:tc>
+                  <a:txBody>
+                    <a:bodyPr/>
+                    <a:lstStyle/>
+                    <a:p>
+                      <a:pPr algn="l" fontAlgn="ctr"/>
+                      <a:r>
+                        <a:rPr lang="ru-RU" b="1">
+                          <a:solidFill>
+                            <a:schemeClr val="tx1"/>
+                          </a:solidFill>
+                          <a:effectLst/>
+                        </a:rPr>
+                        <a:t>Поддержка различных тестов</a:t>
+                      </a:r>
+                      <a:endParaRPr lang="ru-RU">
+                        <a:solidFill>
+                          <a:schemeClr val="tx1"/>
+                        </a:solidFill>
+                        <a:effectLst/>
+                      </a:endParaRPr>
+                    </a:p>
+                  </a:txBody>
+                  <a:tcPr anchor="ctr">
+                    <a:lnL w="12700" cap="flat" cmpd="sng" algn="ctr">
+                      <a:solidFill>
+                        <a:schemeClr val="tx1"/>
+                      </a:solidFill>
+                      <a:prstDash val="solid"/>
+                      <a:round/>
+                      <a:headEnd type="none" w="med" len="med"/>
+                      <a:tailEnd type="none" w="med" len="med"/>
+                    </a:lnL>
+                    <a:lnR w="12700" cap="flat" cmpd="sng" algn="ctr">
+                      <a:solidFill>
+                        <a:schemeClr val="tx1"/>
+                      </a:solidFill>
+                      <a:prstDash val="solid"/>
+                      <a:round/>
+                      <a:headEnd type="none" w="med" len="med"/>
+                      <a:tailEnd type="none" w="med" len="med"/>
+                    </a:lnR>
+                    <a:lnT w="12700" cap="flat" cmpd="sng" algn="ctr">
+                      <a:solidFill>
+                        <a:schemeClr val="tx1"/>
+                      </a:solidFill>
+                      <a:prstDash val="solid"/>
+                      <a:round/>
+                      <a:headEnd type="none" w="med" len="med"/>
+                      <a:tailEnd type="none" w="med" len="med"/>
+                    </a:lnT>
+                    <a:lnB w="12700" cap="flat" cmpd="sng" algn="ctr">
+                      <a:solidFill>
+                        <a:schemeClr val="tx1"/>
+                      </a:solidFill>
+                      <a:prstDash val="solid"/>
+                      <a:round/>
+                      <a:headEnd type="none" w="med" len="med"/>
+                      <a:tailEnd type="none" w="med" len="med"/>
+                    </a:lnB>
+                  </a:tcPr>
+                </a:tc>
+                <a:tc>
+                  <a:txBody>
+                    <a:bodyPr/>
+                    <a:lstStyle/>
+                    <a:p>
+                      <a:pPr algn="l" fontAlgn="ctr"/>
+                      <a:r>
+                        <a:rPr lang="ru-RU" dirty="0">
+                          <a:solidFill>
+                            <a:schemeClr val="tx1"/>
+                          </a:solidFill>
+                          <a:effectLst/>
+                        </a:rPr>
+                        <a:t>Модульные, функциональные и нагрузочные тесты</a:t>
+                      </a:r>
+                    </a:p>
+                  </a:txBody>
+                  <a:tcPr anchor="ctr">
+                    <a:lnL w="12700" cap="flat" cmpd="sng" algn="ctr">
+                      <a:solidFill>
+                        <a:schemeClr val="tx1"/>
+                      </a:solidFill>
+                      <a:prstDash val="solid"/>
+                      <a:round/>
+                      <a:headEnd type="none" w="med" len="med"/>
+                      <a:tailEnd type="none" w="med" len="med"/>
+                    </a:lnL>
+                    <a:lnR w="12700" cap="flat" cmpd="sng" algn="ctr">
+                      <a:solidFill>
+                        <a:schemeClr val="tx1"/>
+                      </a:solidFill>
+                      <a:prstDash val="solid"/>
+                      <a:round/>
+                      <a:headEnd type="none" w="med" len="med"/>
+                      <a:tailEnd type="none" w="med" len="med"/>
+                    </a:lnR>
+                    <a:lnT w="12700" cap="flat" cmpd="sng" algn="ctr">
+                      <a:solidFill>
+                        <a:schemeClr val="tx1"/>
+                      </a:solidFill>
+                      <a:prstDash val="solid"/>
+                      <a:round/>
+                      <a:headEnd type="none" w="med" len="med"/>
+                      <a:tailEnd type="none" w="med" len="med"/>
+                    </a:lnT>
+                    <a:lnB w="12700" cap="flat" cmpd="sng" algn="ctr">
+                      <a:solidFill>
+                        <a:schemeClr val="tx1"/>
+                      </a:solidFill>
+                      <a:prstDash val="solid"/>
+                      <a:round/>
+                      <a:headEnd type="none" w="med" len="med"/>
+                      <a:tailEnd type="none" w="med" len="med"/>
+                    </a:lnB>
+                  </a:tcPr>
+                </a:tc>
+                <a:tc>
+                  <a:txBody>
+                    <a:bodyPr/>
+                    <a:lstStyle/>
+                    <a:p>
+                      <a:pPr algn="l" fontAlgn="ctr"/>
+                      <a:r>
+                        <a:rPr lang="ru-RU" dirty="0">
+                          <a:solidFill>
+                            <a:schemeClr val="tx1"/>
+                          </a:solidFill>
+                          <a:effectLst/>
+                        </a:rPr>
+                        <a:t>Функциональные и регрессионные тесты</a:t>
+                      </a:r>
+                    </a:p>
+                  </a:txBody>
+                  <a:tcPr anchor="ctr">
+                    <a:lnL w="12700" cap="flat" cmpd="sng" algn="ctr">
+                      <a:solidFill>
+                        <a:schemeClr val="tx1"/>
+                      </a:solidFill>
+                      <a:prstDash val="solid"/>
+                      <a:round/>
+                      <a:headEnd type="none" w="med" len="med"/>
+                      <a:tailEnd type="none" w="med" len="med"/>
+                    </a:lnL>
+                    <a:lnR w="12700" cap="flat" cmpd="sng" algn="ctr">
+                      <a:solidFill>
+                        <a:schemeClr val="tx1"/>
+                      </a:solidFill>
+                      <a:prstDash val="solid"/>
+                      <a:round/>
+                      <a:headEnd type="none" w="med" len="med"/>
+                      <a:tailEnd type="none" w="med" len="med"/>
+                    </a:lnR>
+                    <a:lnT w="12700" cap="flat" cmpd="sng" algn="ctr">
+                      <a:solidFill>
+                        <a:schemeClr val="tx1"/>
+                      </a:solidFill>
+                      <a:prstDash val="solid"/>
+                      <a:round/>
+                      <a:headEnd type="none" w="med" len="med"/>
+                      <a:tailEnd type="none" w="med" len="med"/>
+                    </a:lnT>
+                    <a:lnB w="12700" cap="flat" cmpd="sng" algn="ctr">
+                      <a:solidFill>
+                        <a:schemeClr val="tx1"/>
+                      </a:solidFill>
+                      <a:prstDash val="solid"/>
+                      <a:round/>
+                      <a:headEnd type="none" w="med" len="med"/>
+                      <a:tailEnd type="none" w="med" len="med"/>
+                    </a:lnB>
+                  </a:tcPr>
+                </a:tc>
+                <a:tc>
+                  <a:txBody>
+                    <a:bodyPr/>
+                    <a:lstStyle/>
+                    <a:p>
+                      <a:pPr algn="l" fontAlgn="ctr"/>
+                      <a:r>
+                        <a:rPr lang="ru-RU" dirty="0">
+                          <a:solidFill>
+                            <a:schemeClr val="tx1"/>
+                          </a:solidFill>
+                          <a:effectLst/>
+                        </a:rPr>
+                        <a:t>Все виды тестов</a:t>
+                      </a:r>
+                    </a:p>
+                  </a:txBody>
+                  <a:tcPr anchor="ctr">
+                    <a:lnL w="12700" cap="flat" cmpd="sng" algn="ctr">
+                      <a:solidFill>
+                        <a:schemeClr val="tx1"/>
+                      </a:solidFill>
+                      <a:prstDash val="solid"/>
+                      <a:round/>
+                      <a:headEnd type="none" w="med" len="med"/>
+                      <a:tailEnd type="none" w="med" len="med"/>
+                    </a:lnL>
+                    <a:lnR w="12700" cap="flat" cmpd="sng" algn="ctr">
+                      <a:solidFill>
+                        <a:schemeClr val="tx1"/>
+                      </a:solidFill>
+                      <a:prstDash val="solid"/>
+                      <a:round/>
+                      <a:headEnd type="none" w="med" len="med"/>
+                      <a:tailEnd type="none" w="med" len="med"/>
+                    </a:lnR>
+                    <a:lnT w="12700" cap="flat" cmpd="sng" algn="ctr">
+                      <a:solidFill>
+                        <a:schemeClr val="tx1"/>
+                      </a:solidFill>
+                      <a:prstDash val="solid"/>
+                      <a:round/>
+                      <a:headEnd type="none" w="med" len="med"/>
+                      <a:tailEnd type="none" w="med" len="med"/>
+                    </a:lnT>
+                    <a:lnB w="12700" cap="flat" cmpd="sng" algn="ctr">
+                      <a:solidFill>
+                        <a:schemeClr val="tx1"/>
+                      </a:solidFill>
+                      <a:prstDash val="solid"/>
+                      <a:round/>
+                      <a:headEnd type="none" w="med" len="med"/>
+                      <a:tailEnd type="none" w="med" len="med"/>
+                    </a:lnB>
+                  </a:tcPr>
+                </a:tc>
+                <a:extLst>
+                  <a:ext uri="{0D108BD9-81ED-4DB2-BD59-A6C34878D82A}">
+                    <a16:rowId xmlns:a16="http://schemas.microsoft.com/office/drawing/2014/main" val="414368818"/>
+                  </a:ext>
+                </a:extLst>
+              </a:tr>
+            </a:tbl>
+          </a:graphicData>
+        </a:graphic>
+      </p:graphicFrame>
     </p:spTree>
     <p:extLst>
       <p:ext uri="{BB962C8B-B14F-4D97-AF65-F5344CB8AC3E}">
